--- a/Ai we can.pptx
+++ b/Ai we can.pptx
@@ -8629,7 +8629,7 @@
                   <a:schemeClr val="dk1"/>
                 </a:solidFill>
               </a:rPr>
-              <a:t>Доходы</a:t>
+              <a:t>Value</a:t>
             </a:r>
             <a:endParaRPr b="1" sz="2100">
               <a:solidFill>
@@ -8780,7 +8780,7 @@
                   <a:schemeClr val="dk1"/>
                 </a:solidFill>
               </a:rPr>
-              <a:t>Расходы</a:t>
+              <a:t>Затраты</a:t>
             </a:r>
             <a:endParaRPr b="1" sz="2100">
               <a:solidFill>
@@ -9241,7 +9241,7 @@
         <p:spPr>
           <a:xfrm>
             <a:off x="6518900" y="4057525"/>
-            <a:ext cx="1906200" cy="400200"/>
+            <a:ext cx="2039400" cy="400200"/>
           </a:xfrm>
           <a:prstGeom prst="rect">
             <a:avLst/>
